--- a/f25/assets/slides/lec20-security-crypto-2.pptx
+++ b/f25/assets/slides/lec20-security-crypto-2.pptx
@@ -118,6 +118,11 @@
       </a:defRPr>
     </a:lvl9pPr>
   </p:defaultTextStyle>
+  <p:extLst>
+    <p:ext uri="{EFAFB233-063F-42B5-8137-9DF3F51BA10A}">
+      <p15:sldGuideLst xmlns:p15="http://schemas.microsoft.com/office/powerpoint/2012/main"/>
+    </p:ext>
+  </p:extLst>
 </p:presentation>
 </file>
 
@@ -268,7 +273,7 @@
           <a:p>
             <a:fld id="{2BA17064-9A55-904E-9F33-53447C370933}" type="datetimeFigureOut">
               <a:rPr lang="en-US" smtClean="0"/>
-              <a:t>11/5/24</a:t>
+              <a:t>10/23/25</a:t>
             </a:fld>
             <a:endParaRPr lang="en-US"/>
           </a:p>
@@ -466,7 +471,7 @@
           <a:p>
             <a:fld id="{2BA17064-9A55-904E-9F33-53447C370933}" type="datetimeFigureOut">
               <a:rPr lang="en-US" smtClean="0"/>
-              <a:t>11/5/24</a:t>
+              <a:t>10/23/25</a:t>
             </a:fld>
             <a:endParaRPr lang="en-US"/>
           </a:p>
@@ -674,7 +679,7 @@
           <a:p>
             <a:fld id="{2BA17064-9A55-904E-9F33-53447C370933}" type="datetimeFigureOut">
               <a:rPr lang="en-US" smtClean="0"/>
-              <a:t>11/5/24</a:t>
+              <a:t>10/23/25</a:t>
             </a:fld>
             <a:endParaRPr lang="en-US"/>
           </a:p>
@@ -872,7 +877,7 @@
           <a:p>
             <a:fld id="{2BA17064-9A55-904E-9F33-53447C370933}" type="datetimeFigureOut">
               <a:rPr lang="en-US" smtClean="0"/>
-              <a:t>11/5/24</a:t>
+              <a:t>10/23/25</a:t>
             </a:fld>
             <a:endParaRPr lang="en-US"/>
           </a:p>
@@ -1147,7 +1152,7 @@
           <a:p>
             <a:fld id="{2BA17064-9A55-904E-9F33-53447C370933}" type="datetimeFigureOut">
               <a:rPr lang="en-US" smtClean="0"/>
-              <a:t>11/5/24</a:t>
+              <a:t>10/23/25</a:t>
             </a:fld>
             <a:endParaRPr lang="en-US"/>
           </a:p>
@@ -1412,7 +1417,7 @@
           <a:p>
             <a:fld id="{2BA17064-9A55-904E-9F33-53447C370933}" type="datetimeFigureOut">
               <a:rPr lang="en-US" smtClean="0"/>
-              <a:t>11/5/24</a:t>
+              <a:t>10/23/25</a:t>
             </a:fld>
             <a:endParaRPr lang="en-US"/>
           </a:p>
@@ -1824,7 +1829,7 @@
           <a:p>
             <a:fld id="{2BA17064-9A55-904E-9F33-53447C370933}" type="datetimeFigureOut">
               <a:rPr lang="en-US" smtClean="0"/>
-              <a:t>11/5/24</a:t>
+              <a:t>10/23/25</a:t>
             </a:fld>
             <a:endParaRPr lang="en-US"/>
           </a:p>
@@ -1965,7 +1970,7 @@
           <a:p>
             <a:fld id="{2BA17064-9A55-904E-9F33-53447C370933}" type="datetimeFigureOut">
               <a:rPr lang="en-US" smtClean="0"/>
-              <a:t>11/5/24</a:t>
+              <a:t>10/23/25</a:t>
             </a:fld>
             <a:endParaRPr lang="en-US"/>
           </a:p>
@@ -2078,7 +2083,7 @@
           <a:p>
             <a:fld id="{2BA17064-9A55-904E-9F33-53447C370933}" type="datetimeFigureOut">
               <a:rPr lang="en-US" smtClean="0"/>
-              <a:t>11/5/24</a:t>
+              <a:t>10/23/25</a:t>
             </a:fld>
             <a:endParaRPr lang="en-US"/>
           </a:p>
@@ -2389,7 +2394,7 @@
           <a:p>
             <a:fld id="{2BA17064-9A55-904E-9F33-53447C370933}" type="datetimeFigureOut">
               <a:rPr lang="en-US" smtClean="0"/>
-              <a:t>11/5/24</a:t>
+              <a:t>10/23/25</a:t>
             </a:fld>
             <a:endParaRPr lang="en-US"/>
           </a:p>
@@ -2677,7 +2682,7 @@
           <a:p>
             <a:fld id="{2BA17064-9A55-904E-9F33-53447C370933}" type="datetimeFigureOut">
               <a:rPr lang="en-US" smtClean="0"/>
-              <a:t>11/5/24</a:t>
+              <a:t>10/23/25</a:t>
             </a:fld>
             <a:endParaRPr lang="en-US"/>
           </a:p>
@@ -2918,7 +2923,7 @@
           <a:p>
             <a:fld id="{2BA17064-9A55-904E-9F33-53447C370933}" type="datetimeFigureOut">
               <a:rPr lang="en-US" smtClean="0"/>
-              <a:t>11/5/24</a:t>
+              <a:t>10/23/25</a:t>
             </a:fld>
             <a:endParaRPr lang="en-US"/>
           </a:p>
@@ -3512,8 +3517,8 @@
           </a:p>
         </p:txBody>
       </p:sp>
-      <mc:AlternateContent xmlns:mc="http://schemas.openxmlformats.org/markup-compatibility/2006">
-        <mc:Choice xmlns:a14="http://schemas.microsoft.com/office/drawing/2010/main" Requires="a14">
+      <mc:AlternateContent xmlns:mc="http://schemas.openxmlformats.org/markup-compatibility/2006" xmlns:a14="http://schemas.microsoft.com/office/drawing/2010/main">
+        <mc:Choice Requires="a14">
           <p:sp>
             <p:nvSpPr>
               <p:cNvPr id="7" name="Content Placeholder 2">
@@ -3910,7 +3915,7 @@
             </p:txBody>
           </p:sp>
         </mc:Choice>
-        <mc:Fallback>
+        <mc:Fallback xmlns="">
           <p:sp>
             <p:nvSpPr>
               <p:cNvPr id="7" name="Content Placeholder 2">
@@ -4016,8 +4021,8 @@
           </a:p>
         </p:txBody>
       </p:sp>
-      <mc:AlternateContent xmlns:mc="http://schemas.openxmlformats.org/markup-compatibility/2006">
-        <mc:Choice xmlns:a14="http://schemas.microsoft.com/office/drawing/2010/main" Requires="a14">
+      <mc:AlternateContent xmlns:mc="http://schemas.openxmlformats.org/markup-compatibility/2006" xmlns:a14="http://schemas.microsoft.com/office/drawing/2010/main">
+        <mc:Choice Requires="a14">
           <p:sp>
             <p:nvSpPr>
               <p:cNvPr id="3" name="Content Placeholder 2">
@@ -4439,7 +4444,7 @@
             </p:txBody>
           </p:sp>
         </mc:Choice>
-        <mc:Fallback>
+        <mc:Fallback xmlns="">
           <p:sp>
             <p:nvSpPr>
               <p:cNvPr id="3" name="Content Placeholder 2">
@@ -5863,7 +5868,9 @@
         </p:nvSpPr>
         <p:spPr/>
         <p:txBody>
-          <a:bodyPr/>
+          <a:bodyPr>
+            <a:normAutofit fontScale="92500" lnSpcReduction="10000"/>
+          </a:bodyPr>
           <a:lstStyle/>
           <a:p>
             <a:r>
@@ -5881,14 +5888,21 @@
             <a:pPr lvl="1"/>
             <a:r>
               <a:rPr lang="en-US" dirty="0"/>
-              <a:t>While the channel does not have to be private, it should disallow man-in-the-middle (MITM) attacks</a:t>
+              <a:t>While the channel does not have to be private, it should disallow man-in-the-middle (MitM) attacks</a:t>
             </a:r>
           </a:p>
           <a:p>
             <a:pPr lvl="1"/>
             <a:r>
               <a:rPr lang="en-US" dirty="0"/>
-              <a:t>Most internet paths allow for MITM attacks</a:t>
+              <a:t>MitM attacks exploit the ability to pretend to be the conversation partner.</a:t>
+            </a:r>
+          </a:p>
+          <a:p>
+            <a:pPr lvl="1"/>
+            <a:r>
+              <a:rPr lang="en-US" dirty="0"/>
+              <a:t>Most internet paths allow for MitM attacks</a:t>
             </a:r>
           </a:p>
           <a:p>
@@ -5898,7 +5912,7 @@
             </a:r>
             <a:r>
               <a:rPr lang="en-US" dirty="0"/>
-              <a:t>Public key encryption allows for a communication channel to be authenticated</a:t>
+              <a:t>Public key encryption allows for a communication channel to be authenticated with a “real” identity and hence ensure I am talking to the entity I think I am talking to</a:t>
             </a:r>
           </a:p>
         </p:txBody>
@@ -6011,7 +6025,7 @@
           <a:p>
             <a:r>
               <a:rPr lang="en-US" dirty="0"/>
-              <a:t>She keeps the private key </a:t>
+              <a:t>She keeps the private key (</a:t>
             </a:r>
             <a:r>
               <a:rPr lang="en-US" dirty="0" err="1"/>
@@ -6019,13 +6033,13 @@
             </a:r>
             <a:r>
               <a:rPr lang="en-US" dirty="0"/>
-              <a:t>, secret which gives her special abilities </a:t>
+              <a:t>) secret which gives her special abilities </a:t>
             </a:r>
           </a:p>
           <a:p>
             <a:r>
               <a:rPr lang="en-US" dirty="0"/>
-              <a:t>A computationally limited adversary cannot derive pk from </a:t>
+              <a:t>A computationally limited adversary cannot derive </a:t>
             </a:r>
             <a:r>
               <a:rPr lang="en-US" dirty="0" err="1"/>
@@ -6033,7 +6047,7 @@
             </a:r>
             <a:r>
               <a:rPr lang="en-US" dirty="0"/>
-              <a:t>, even though it is possible with enough compute</a:t>
+              <a:t> from pk, even though it is possible with enough compute</a:t>
             </a:r>
           </a:p>
         </p:txBody>
@@ -6340,7 +6354,7 @@
         <p:spPr>
           <a:xfrm>
             <a:off x="909780" y="1557338"/>
-            <a:ext cx="10113819" cy="4524315"/>
+            <a:ext cx="10113819" cy="4801314"/>
           </a:xfrm>
           <a:prstGeom prst="rect">
             <a:avLst/>
@@ -6360,7 +6374,7 @@
           <a:p>
             <a:r>
               <a:rPr lang="en-US" dirty="0"/>
-              <a:t>For example, the following is my public key that I use on GitHub and to SSH into things. I have absolutely no qualms about sharing it:</a:t>
+              <a:t>For example, the following is my public key that I use on GitHub and to SSH into things. With it I can sign messages, and you will be convinced that only someone with the private key (i.e. me) could have signed it. I have absolutely no qualms about sharing it.:</a:t>
             </a:r>
           </a:p>
           <a:p>
@@ -6874,7 +6888,9 @@
         </p:nvSpPr>
         <p:spPr/>
         <p:txBody>
-          <a:bodyPr/>
+          <a:bodyPr>
+            <a:normAutofit fontScale="92500" lnSpcReduction="10000"/>
+          </a:bodyPr>
           <a:lstStyle/>
           <a:p>
             <a:r>
@@ -6909,7 +6925,15 @@
             </a:r>
             <a:r>
               <a:rPr lang="en-US" dirty="0"/>
-              <a:t> AWS account which was authenticated using your password)</a:t>
+              <a:t> AWS account which was authenticated using your password, which in turn is linked to your credit card, which your bank can use to ensure you pay up because they have your SSN </a:t>
+            </a:r>
+            <a:r>
+              <a:rPr lang="en-US" dirty="0" err="1"/>
+              <a:t>etc</a:t>
+            </a:r>
+            <a:r>
+              <a:rPr lang="en-US" dirty="0"/>
+              <a:t>)</a:t>
             </a:r>
           </a:p>
           <a:p>
@@ -7276,15 +7300,7 @@
           <a:p>
             <a:r>
               <a:rPr lang="en-US" dirty="0"/>
-              <a:t>Public key encryption: ability #2 (</a:t>
-            </a:r>
-            <a:r>
-              <a:rPr lang="en-US" dirty="0" err="1"/>
-              <a:t>assymetric</a:t>
-            </a:r>
-            <a:r>
-              <a:rPr lang="en-US" dirty="0"/>
-              <a:t> encryption)</a:t>
+              <a:t>Public key encryption: ability #2 (asymmetric encryption)</a:t>
             </a:r>
           </a:p>
         </p:txBody>
@@ -7696,8 +7712,8 @@
           </a:p>
         </p:txBody>
       </p:sp>
-      <mc:AlternateContent xmlns:mc="http://schemas.openxmlformats.org/markup-compatibility/2006">
-        <mc:Choice xmlns:a14="http://schemas.microsoft.com/office/drawing/2010/main" Requires="a14">
+      <mc:AlternateContent xmlns:mc="http://schemas.openxmlformats.org/markup-compatibility/2006" xmlns:a14="http://schemas.microsoft.com/office/drawing/2010/main">
+        <mc:Choice Requires="a14">
           <p:sp>
             <p:nvSpPr>
               <p:cNvPr id="7" name="Content Placeholder 2">
@@ -8130,7 +8146,7 @@
             </p:txBody>
           </p:sp>
         </mc:Choice>
-        <mc:Fallback>
+        <mc:Fallback xmlns="">
           <p:sp>
             <p:nvSpPr>
               <p:cNvPr id="7" name="Content Placeholder 2">
